--- a/laudelage.pptx
+++ b/laudelage.pptx
@@ -220,7 +220,7 @@
           <a:p>
             <a:fld id="{E9CB286B-BBCD-48CA-81E9-BB543AE11504}" type="datetimeFigureOut">
               <a:rPr lang="en-US" smtClean="0"/>
-              <a:t>4/6/2018</a:t>
+              <a:t>4/7/2018</a:t>
             </a:fld>
             <a:endParaRPr lang="en-US"/>
           </a:p>
@@ -742,7 +742,7 @@
           <p:cNvPr id="7" name="Text Placeholder 13">
             <a:extLst>
               <a:ext uri="{FF2B5EF4-FFF2-40B4-BE49-F238E27FC236}">
-                <a16:creationId xmlns:a16="http://schemas.microsoft.com/office/drawing/2014/main" xmlns="" id="{5C674D03-4995-4743-8CE4-61CF32CFBDDE}"/>
+                <a16:creationId xmlns="" xmlns:a16="http://schemas.microsoft.com/office/drawing/2014/main" id="{5C674D03-4995-4743-8CE4-61CF32CFBDDE}"/>
               </a:ext>
             </a:extLst>
           </p:cNvPr>
@@ -802,7 +802,7 @@
           <p:cNvPr id="11" name="Graphic 4">
             <a:extLst>
               <a:ext uri="{FF2B5EF4-FFF2-40B4-BE49-F238E27FC236}">
-                <a16:creationId xmlns:a16="http://schemas.microsoft.com/office/drawing/2014/main" xmlns="" id="{25EEA1D4-3AF7-42D7-AE97-AE404AECFAEB}"/>
+                <a16:creationId xmlns="" xmlns:a16="http://schemas.microsoft.com/office/drawing/2014/main" id="{25EEA1D4-3AF7-42D7-AE97-AE404AECFAEB}"/>
               </a:ext>
             </a:extLst>
           </p:cNvPr>
@@ -815,7 +815,7 @@
           <a:blip r:embed="rId2" cstate="print">
             <a:extLst>
               <a:ext uri="{96DAC541-7B7A-43D3-8B79-37D633B846F1}">
-                <asvg:svgBlip xmlns:asvg="http://schemas.microsoft.com/office/drawing/2016/SVG/main" xmlns="" r:embed="rId3"/>
+                <asvg:svgBlip xmlns="" xmlns:asvg="http://schemas.microsoft.com/office/drawing/2016/SVG/main" r:embed="rId3"/>
               </a:ext>
             </a:extLst>
           </a:blip>
@@ -875,7 +875,7 @@
           <p:cNvPr id="13" name="Rectangle 12">
             <a:extLst>
               <a:ext uri="{FF2B5EF4-FFF2-40B4-BE49-F238E27FC236}">
-                <a16:creationId xmlns:a16="http://schemas.microsoft.com/office/drawing/2014/main" xmlns="" id="{279F1DAD-5BB1-4142-B838-01DB99370135}"/>
+                <a16:creationId xmlns="" xmlns:a16="http://schemas.microsoft.com/office/drawing/2014/main" id="{279F1DAD-5BB1-4142-B838-01DB99370135}"/>
               </a:ext>
             </a:extLst>
           </p:cNvPr>
@@ -927,7 +927,7 @@
           <p:cNvPr id="9" name="Text Placeholder 4">
             <a:extLst>
               <a:ext uri="{FF2B5EF4-FFF2-40B4-BE49-F238E27FC236}">
-                <a16:creationId xmlns:a16="http://schemas.microsoft.com/office/drawing/2014/main" xmlns="" id="{04C1CAD0-39C3-4CE2-A9E9-8CA99EFF5357}"/>
+                <a16:creationId xmlns="" xmlns:a16="http://schemas.microsoft.com/office/drawing/2014/main" id="{04C1CAD0-39C3-4CE2-A9E9-8CA99EFF5357}"/>
               </a:ext>
             </a:extLst>
           </p:cNvPr>
@@ -987,7 +987,7 @@
           <p:cNvPr id="37" name="Text Placeholder 4">
             <a:extLst>
               <a:ext uri="{FF2B5EF4-FFF2-40B4-BE49-F238E27FC236}">
-                <a16:creationId xmlns:a16="http://schemas.microsoft.com/office/drawing/2014/main" xmlns="" id="{8D6FD04F-776D-4BC2-9828-DC149A95B778}"/>
+                <a16:creationId xmlns="" xmlns:a16="http://schemas.microsoft.com/office/drawing/2014/main" id="{8D6FD04F-776D-4BC2-9828-DC149A95B778}"/>
               </a:ext>
             </a:extLst>
           </p:cNvPr>
@@ -1047,7 +1047,7 @@
           <p:cNvPr id="39" name="Text Placeholder 4">
             <a:extLst>
               <a:ext uri="{FF2B5EF4-FFF2-40B4-BE49-F238E27FC236}">
-                <a16:creationId xmlns:a16="http://schemas.microsoft.com/office/drawing/2014/main" xmlns="" id="{5A2CDF95-9D29-4775-8BEF-90BC5372B782}"/>
+                <a16:creationId xmlns="" xmlns:a16="http://schemas.microsoft.com/office/drawing/2014/main" id="{5A2CDF95-9D29-4775-8BEF-90BC5372B782}"/>
               </a:ext>
             </a:extLst>
           </p:cNvPr>
@@ -1107,7 +1107,7 @@
           <p:cNvPr id="41" name="Text Placeholder 4">
             <a:extLst>
               <a:ext uri="{FF2B5EF4-FFF2-40B4-BE49-F238E27FC236}">
-                <a16:creationId xmlns:a16="http://schemas.microsoft.com/office/drawing/2014/main" xmlns="" id="{6012FFDA-311F-429E-998E-F6E6B0A7186E}"/>
+                <a16:creationId xmlns="" xmlns:a16="http://schemas.microsoft.com/office/drawing/2014/main" id="{6012FFDA-311F-429E-998E-F6E6B0A7186E}"/>
               </a:ext>
             </a:extLst>
           </p:cNvPr>
@@ -1155,7 +1155,7 @@
           <p:cNvPr id="42" name="Text Placeholder 7">
             <a:extLst>
               <a:ext uri="{FF2B5EF4-FFF2-40B4-BE49-F238E27FC236}">
-                <a16:creationId xmlns:a16="http://schemas.microsoft.com/office/drawing/2014/main" xmlns="" id="{9228FC83-C11D-47F2-8BDE-B10D125E5E87}"/>
+                <a16:creationId xmlns="" xmlns:a16="http://schemas.microsoft.com/office/drawing/2014/main" id="{9228FC83-C11D-47F2-8BDE-B10D125E5E87}"/>
               </a:ext>
             </a:extLst>
           </p:cNvPr>
@@ -1266,7 +1266,7 @@
           <p:cNvPr id="18" name="Retângulo 43">
             <a:extLst>
               <a:ext uri="{FF2B5EF4-FFF2-40B4-BE49-F238E27FC236}">
-                <a16:creationId xmlns:a16="http://schemas.microsoft.com/office/drawing/2014/main" xmlns="" id="{25FC8637-25BD-4C09-AF25-56B4243DAB3D}"/>
+                <a16:creationId xmlns="" xmlns:a16="http://schemas.microsoft.com/office/drawing/2014/main" id="{25FC8637-25BD-4C09-AF25-56B4243DAB3D}"/>
               </a:ext>
             </a:extLst>
           </p:cNvPr>
@@ -1319,7 +1319,7 @@
           <p:cNvPr id="19" name="Conector reto 49">
             <a:extLst>
               <a:ext uri="{FF2B5EF4-FFF2-40B4-BE49-F238E27FC236}">
-                <a16:creationId xmlns:a16="http://schemas.microsoft.com/office/drawing/2014/main" xmlns="" id="{6B6D7F6B-C184-4C2B-8EB7-067E0C1E8DF2}"/>
+                <a16:creationId xmlns="" xmlns:a16="http://schemas.microsoft.com/office/drawing/2014/main" id="{6B6D7F6B-C184-4C2B-8EB7-067E0C1E8DF2}"/>
               </a:ext>
             </a:extLst>
           </p:cNvPr>
@@ -1367,7 +1367,7 @@
             <a:hlinkClick r:id="rId2"/>
             <a:extLst>
               <a:ext uri="{FF2B5EF4-FFF2-40B4-BE49-F238E27FC236}">
-                <a16:creationId xmlns:a16="http://schemas.microsoft.com/office/drawing/2014/main" xmlns="" id="{F376ABD1-4930-42EB-9A73-9A9C7C6BF2D3}"/>
+                <a16:creationId xmlns="" xmlns:a16="http://schemas.microsoft.com/office/drawing/2014/main" id="{F376ABD1-4930-42EB-9A73-9A9C7C6BF2D3}"/>
               </a:ext>
             </a:extLst>
           </p:cNvPr>
@@ -1413,7 +1413,7 @@
           <p:cNvPr id="21" name="Retângulo 43">
             <a:extLst>
               <a:ext uri="{FF2B5EF4-FFF2-40B4-BE49-F238E27FC236}">
-                <a16:creationId xmlns:a16="http://schemas.microsoft.com/office/drawing/2014/main" xmlns="" id="{834ADCB4-BFB1-450D-8F6D-64217F4CD92C}"/>
+                <a16:creationId xmlns="" xmlns:a16="http://schemas.microsoft.com/office/drawing/2014/main" id="{834ADCB4-BFB1-450D-8F6D-64217F4CD92C}"/>
               </a:ext>
             </a:extLst>
           </p:cNvPr>
@@ -1455,7 +1455,7 @@
           <p:cNvPr id="23" name="Title Placeholder 1">
             <a:extLst>
               <a:ext uri="{FF2B5EF4-FFF2-40B4-BE49-F238E27FC236}">
-                <a16:creationId xmlns:a16="http://schemas.microsoft.com/office/drawing/2014/main" xmlns="" id="{552BBB0A-405D-419D-8BD5-EC8D9F84B795}"/>
+                <a16:creationId xmlns="" xmlns:a16="http://schemas.microsoft.com/office/drawing/2014/main" id="{552BBB0A-405D-419D-8BD5-EC8D9F84B795}"/>
               </a:ext>
             </a:extLst>
           </p:cNvPr>
@@ -1503,7 +1503,7 @@
           <p:cNvPr id="24" name="Text Placeholder 7">
             <a:extLst>
               <a:ext uri="{FF2B5EF4-FFF2-40B4-BE49-F238E27FC236}">
-                <a16:creationId xmlns:a16="http://schemas.microsoft.com/office/drawing/2014/main" xmlns="" id="{9228FC83-C11D-47F2-8BDE-B10D125E5E87}"/>
+                <a16:creationId xmlns="" xmlns:a16="http://schemas.microsoft.com/office/drawing/2014/main" id="{9228FC83-C11D-47F2-8BDE-B10D125E5E87}"/>
               </a:ext>
             </a:extLst>
           </p:cNvPr>
@@ -1614,7 +1614,7 @@
           <p:cNvPr id="25" name="Text Placeholder 7">
             <a:extLst>
               <a:ext uri="{FF2B5EF4-FFF2-40B4-BE49-F238E27FC236}">
-                <a16:creationId xmlns:a16="http://schemas.microsoft.com/office/drawing/2014/main" xmlns="" id="{9228FC83-C11D-47F2-8BDE-B10D125E5E87}"/>
+                <a16:creationId xmlns="" xmlns:a16="http://schemas.microsoft.com/office/drawing/2014/main" id="{9228FC83-C11D-47F2-8BDE-B10D125E5E87}"/>
               </a:ext>
             </a:extLst>
           </p:cNvPr>
@@ -1725,7 +1725,7 @@
           <p:cNvPr id="26" name="Text Placeholder 7">
             <a:extLst>
               <a:ext uri="{FF2B5EF4-FFF2-40B4-BE49-F238E27FC236}">
-                <a16:creationId xmlns:a16="http://schemas.microsoft.com/office/drawing/2014/main" xmlns="" id="{9228FC83-C11D-47F2-8BDE-B10D125E5E87}"/>
+                <a16:creationId xmlns="" xmlns:a16="http://schemas.microsoft.com/office/drawing/2014/main" id="{9228FC83-C11D-47F2-8BDE-B10D125E5E87}"/>
               </a:ext>
             </a:extLst>
           </p:cNvPr>
@@ -1983,7 +1983,7 @@
           <a:p>
             <a:fld id="{26BEBEE3-0FF3-482D-94E8-9465A3DB95B2}" type="datetimeFigureOut">
               <a:rPr lang="en-US" smtClean="0"/>
-              <a:t>4/6/2018</a:t>
+              <a:t>4/7/2018</a:t>
             </a:fld>
             <a:endParaRPr lang="en-US"/>
           </a:p>
@@ -2087,7 +2087,7 @@
           <p:cNvPr id="8" name="Graphic 7">
             <a:extLst>
               <a:ext uri="{FF2B5EF4-FFF2-40B4-BE49-F238E27FC236}">
-                <a16:creationId xmlns:a16="http://schemas.microsoft.com/office/drawing/2014/main" xmlns="" id="{E94103CC-22C5-4F38-9B77-3524E8A553F9}"/>
+                <a16:creationId xmlns="" xmlns:a16="http://schemas.microsoft.com/office/drawing/2014/main" id="{E94103CC-22C5-4F38-9B77-3524E8A553F9}"/>
               </a:ext>
             </a:extLst>
           </p:cNvPr>
@@ -2100,7 +2100,7 @@
           <a:blip r:embed="rId2" cstate="print">
             <a:extLst>
               <a:ext uri="{96DAC541-7B7A-43D3-8B79-37D633B846F1}">
-                <asvg:svgBlip xmlns:asvg="http://schemas.microsoft.com/office/drawing/2016/SVG/main" xmlns="" r:embed="rId3"/>
+                <asvg:svgBlip xmlns="" xmlns:asvg="http://schemas.microsoft.com/office/drawing/2016/SVG/main" r:embed="rId3"/>
               </a:ext>
             </a:extLst>
           </a:blip>
@@ -2122,7 +2122,7 @@
           <p:cNvPr id="50" name="Text Placeholder 7">
             <a:extLst>
               <a:ext uri="{FF2B5EF4-FFF2-40B4-BE49-F238E27FC236}">
-                <a16:creationId xmlns:a16="http://schemas.microsoft.com/office/drawing/2014/main" xmlns="" id="{4E956B68-B273-4648-AC4B-C9A05A745160}"/>
+                <a16:creationId xmlns="" xmlns:a16="http://schemas.microsoft.com/office/drawing/2014/main" id="{4E956B68-B273-4648-AC4B-C9A05A745160}"/>
               </a:ext>
             </a:extLst>
           </p:cNvPr>
@@ -2219,7 +2219,7 @@
           <p:cNvPr id="51" name="Text Placeholder 7">
             <a:extLst>
               <a:ext uri="{FF2B5EF4-FFF2-40B4-BE49-F238E27FC236}">
-                <a16:creationId xmlns:a16="http://schemas.microsoft.com/office/drawing/2014/main" xmlns="" id="{F12D7C74-E8A0-4A7D-95DA-A14111669514}"/>
+                <a16:creationId xmlns="" xmlns:a16="http://schemas.microsoft.com/office/drawing/2014/main" id="{F12D7C74-E8A0-4A7D-95DA-A14111669514}"/>
               </a:ext>
             </a:extLst>
           </p:cNvPr>
@@ -2316,7 +2316,7 @@
           <p:cNvPr id="49" name="Picture Placeholder 48">
             <a:extLst>
               <a:ext uri="{FF2B5EF4-FFF2-40B4-BE49-F238E27FC236}">
-                <a16:creationId xmlns:a16="http://schemas.microsoft.com/office/drawing/2014/main" xmlns="" id="{4212BD44-DEDF-4B08-8824-204652F9616E}"/>
+                <a16:creationId xmlns="" xmlns:a16="http://schemas.microsoft.com/office/drawing/2014/main" id="{4212BD44-DEDF-4B08-8824-204652F9616E}"/>
               </a:ext>
             </a:extLst>
           </p:cNvPr>
@@ -2357,7 +2357,7 @@
           <p:cNvPr id="52" name="Text Placeholder 7">
             <a:extLst>
               <a:ext uri="{FF2B5EF4-FFF2-40B4-BE49-F238E27FC236}">
-                <a16:creationId xmlns:a16="http://schemas.microsoft.com/office/drawing/2014/main" xmlns="" id="{92D6AE9D-467E-46C0-B32B-79A9B07CDD13}"/>
+                <a16:creationId xmlns="" xmlns:a16="http://schemas.microsoft.com/office/drawing/2014/main" id="{92D6AE9D-467E-46C0-B32B-79A9B07CDD13}"/>
               </a:ext>
             </a:extLst>
           </p:cNvPr>
@@ -2454,7 +2454,7 @@
           <p:cNvPr id="7" name="Title Placeholder 1">
             <a:extLst>
               <a:ext uri="{FF2B5EF4-FFF2-40B4-BE49-F238E27FC236}">
-                <a16:creationId xmlns:a16="http://schemas.microsoft.com/office/drawing/2014/main" xmlns="" id="{552BBB0A-405D-419D-8BD5-EC8D9F84B795}"/>
+                <a16:creationId xmlns="" xmlns:a16="http://schemas.microsoft.com/office/drawing/2014/main" id="{552BBB0A-405D-419D-8BD5-EC8D9F84B795}"/>
               </a:ext>
             </a:extLst>
           </p:cNvPr>
@@ -2502,7 +2502,7 @@
           <p:cNvPr id="9" name="Graphic 4">
             <a:extLst>
               <a:ext uri="{FF2B5EF4-FFF2-40B4-BE49-F238E27FC236}">
-                <a16:creationId xmlns:a16="http://schemas.microsoft.com/office/drawing/2014/main" xmlns="" id="{D67A1EFD-D78D-4138-B2FE-E0A098B59C34}"/>
+                <a16:creationId xmlns="" xmlns:a16="http://schemas.microsoft.com/office/drawing/2014/main" id="{D67A1EFD-D78D-4138-B2FE-E0A098B59C34}"/>
               </a:ext>
             </a:extLst>
           </p:cNvPr>
@@ -2515,7 +2515,7 @@
           <a:blip r:embed="rId4" cstate="print">
             <a:extLst>
               <a:ext uri="{96DAC541-7B7A-43D3-8B79-37D633B846F1}">
-                <asvg:svgBlip xmlns:asvg="http://schemas.microsoft.com/office/drawing/2016/SVG/main" xmlns="" r:embed="rId5"/>
+                <asvg:svgBlip xmlns="" xmlns:asvg="http://schemas.microsoft.com/office/drawing/2016/SVG/main" r:embed="rId5"/>
               </a:ext>
             </a:extLst>
           </a:blip>
@@ -2537,7 +2537,7 @@
           <p:cNvPr id="11" name="Conector reto 49">
             <a:extLst>
               <a:ext uri="{FF2B5EF4-FFF2-40B4-BE49-F238E27FC236}">
-                <a16:creationId xmlns:a16="http://schemas.microsoft.com/office/drawing/2014/main" xmlns="" id="{6B6D7F6B-C184-4C2B-8EB7-067E0C1E8DF2}"/>
+                <a16:creationId xmlns="" xmlns:a16="http://schemas.microsoft.com/office/drawing/2014/main" id="{6B6D7F6B-C184-4C2B-8EB7-067E0C1E8DF2}"/>
               </a:ext>
             </a:extLst>
           </p:cNvPr>
@@ -2585,7 +2585,7 @@
             <a:hlinkClick r:id="rId6"/>
             <a:extLst>
               <a:ext uri="{FF2B5EF4-FFF2-40B4-BE49-F238E27FC236}">
-                <a16:creationId xmlns:a16="http://schemas.microsoft.com/office/drawing/2014/main" xmlns="" id="{F376ABD1-4930-42EB-9A73-9A9C7C6BF2D3}"/>
+                <a16:creationId xmlns="" xmlns:a16="http://schemas.microsoft.com/office/drawing/2014/main" id="{F376ABD1-4930-42EB-9A73-9A9C7C6BF2D3}"/>
               </a:ext>
             </a:extLst>
           </p:cNvPr>
@@ -2631,7 +2631,7 @@
           <p:cNvPr id="13" name="Retângulo 43">
             <a:extLst>
               <a:ext uri="{FF2B5EF4-FFF2-40B4-BE49-F238E27FC236}">
-                <a16:creationId xmlns:a16="http://schemas.microsoft.com/office/drawing/2014/main" xmlns="" id="{25FC8637-25BD-4C09-AF25-56B4243DAB3D}"/>
+                <a16:creationId xmlns="" xmlns:a16="http://schemas.microsoft.com/office/drawing/2014/main" id="{25FC8637-25BD-4C09-AF25-56B4243DAB3D}"/>
               </a:ext>
             </a:extLst>
           </p:cNvPr>
@@ -2678,7 +2678,7 @@
           <p:cNvPr id="14" name="Retângulo 43">
             <a:extLst>
               <a:ext uri="{FF2B5EF4-FFF2-40B4-BE49-F238E27FC236}">
-                <a16:creationId xmlns:a16="http://schemas.microsoft.com/office/drawing/2014/main" xmlns="" id="{834ADCB4-BFB1-450D-8F6D-64217F4CD92C}"/>
+                <a16:creationId xmlns="" xmlns:a16="http://schemas.microsoft.com/office/drawing/2014/main" id="{834ADCB4-BFB1-450D-8F6D-64217F4CD92C}"/>
               </a:ext>
             </a:extLst>
           </p:cNvPr>
@@ -2758,7 +2758,7 @@
           <p:cNvPr id="10" name="Text Placeholder 13">
             <a:extLst>
               <a:ext uri="{FF2B5EF4-FFF2-40B4-BE49-F238E27FC236}">
-                <a16:creationId xmlns:a16="http://schemas.microsoft.com/office/drawing/2014/main" xmlns="" id="{7D1DC75A-C7A4-44A4-B19C-D445335545B0}"/>
+                <a16:creationId xmlns="" xmlns:a16="http://schemas.microsoft.com/office/drawing/2014/main" id="{7D1DC75A-C7A4-44A4-B19C-D445335545B0}"/>
               </a:ext>
             </a:extLst>
           </p:cNvPr>
@@ -2819,7 +2819,7 @@
           <p:cNvPr id="11" name="Text Placeholder 13">
             <a:extLst>
               <a:ext uri="{FF2B5EF4-FFF2-40B4-BE49-F238E27FC236}">
-                <a16:creationId xmlns:a16="http://schemas.microsoft.com/office/drawing/2014/main" xmlns="" id="{563879A0-0979-491A-8758-371BB7AD935B}"/>
+                <a16:creationId xmlns="" xmlns:a16="http://schemas.microsoft.com/office/drawing/2014/main" id="{563879A0-0979-491A-8758-371BB7AD935B}"/>
               </a:ext>
             </a:extLst>
           </p:cNvPr>
@@ -2877,7 +2877,7 @@
           <p:cNvPr id="9" name="Group 8">
             <a:extLst>
               <a:ext uri="{FF2B5EF4-FFF2-40B4-BE49-F238E27FC236}">
-                <a16:creationId xmlns:a16="http://schemas.microsoft.com/office/drawing/2014/main" xmlns="" id="{A76958A6-8FB1-445D-BB17-D619DC39E089}"/>
+                <a16:creationId xmlns="" xmlns:a16="http://schemas.microsoft.com/office/drawing/2014/main" id="{A76958A6-8FB1-445D-BB17-D619DC39E089}"/>
               </a:ext>
             </a:extLst>
           </p:cNvPr>
@@ -2897,7 +2897,7 @@
             <p:cNvPr id="12" name="Freeform: Shape 11">
               <a:extLst>
                 <a:ext uri="{FF2B5EF4-FFF2-40B4-BE49-F238E27FC236}">
-                  <a16:creationId xmlns:a16="http://schemas.microsoft.com/office/drawing/2014/main" xmlns="" id="{3C37792F-39D6-4A1F-BE84-103229E3E4C7}"/>
+                  <a16:creationId xmlns="" xmlns:a16="http://schemas.microsoft.com/office/drawing/2014/main" id="{3C37792F-39D6-4A1F-BE84-103229E3E4C7}"/>
                 </a:ext>
               </a:extLst>
             </p:cNvPr>
@@ -3188,7 +3188,7 @@
             <p:cNvPr id="13" name="Freeform 10">
               <a:extLst>
                 <a:ext uri="{FF2B5EF4-FFF2-40B4-BE49-F238E27FC236}">
-                  <a16:creationId xmlns:a16="http://schemas.microsoft.com/office/drawing/2014/main" xmlns="" id="{D9D750E2-E6DE-4123-9001-1391D1C49BBA}"/>
+                  <a16:creationId xmlns="" xmlns:a16="http://schemas.microsoft.com/office/drawing/2014/main" id="{D9D750E2-E6DE-4123-9001-1391D1C49BBA}"/>
                 </a:ext>
               </a:extLst>
             </p:cNvPr>
@@ -3339,7 +3339,7 @@
             <p:cNvPr id="14" name="Freeform 11">
               <a:extLst>
                 <a:ext uri="{FF2B5EF4-FFF2-40B4-BE49-F238E27FC236}">
-                  <a16:creationId xmlns:a16="http://schemas.microsoft.com/office/drawing/2014/main" xmlns="" id="{53936070-5445-4D5B-B6F0-A72D3CC87FBE}"/>
+                  <a16:creationId xmlns="" xmlns:a16="http://schemas.microsoft.com/office/drawing/2014/main" id="{53936070-5445-4D5B-B6F0-A72D3CC87FBE}"/>
                 </a:ext>
               </a:extLst>
             </p:cNvPr>
@@ -3521,7 +3521,7 @@
           <p:cNvPr id="8" name="Retângulo 43">
             <a:extLst>
               <a:ext uri="{FF2B5EF4-FFF2-40B4-BE49-F238E27FC236}">
-                <a16:creationId xmlns:a16="http://schemas.microsoft.com/office/drawing/2014/main" xmlns="" id="{834ADCB4-BFB1-450D-8F6D-64217F4CD92C}"/>
+                <a16:creationId xmlns="" xmlns:a16="http://schemas.microsoft.com/office/drawing/2014/main" id="{834ADCB4-BFB1-450D-8F6D-64217F4CD92C}"/>
               </a:ext>
             </a:extLst>
           </p:cNvPr>
@@ -3561,7 +3561,7 @@
           <p:cNvPr id="15" name="Retângulo 43">
             <a:extLst>
               <a:ext uri="{FF2B5EF4-FFF2-40B4-BE49-F238E27FC236}">
-                <a16:creationId xmlns:a16="http://schemas.microsoft.com/office/drawing/2014/main" xmlns="" id="{25FC8637-25BD-4C09-AF25-56B4243DAB3D}"/>
+                <a16:creationId xmlns="" xmlns:a16="http://schemas.microsoft.com/office/drawing/2014/main" id="{25FC8637-25BD-4C09-AF25-56B4243DAB3D}"/>
               </a:ext>
             </a:extLst>
           </p:cNvPr>
@@ -3609,7 +3609,7 @@
             <a:hlinkClick r:id="rId2"/>
             <a:extLst>
               <a:ext uri="{FF2B5EF4-FFF2-40B4-BE49-F238E27FC236}">
-                <a16:creationId xmlns:a16="http://schemas.microsoft.com/office/drawing/2014/main" xmlns="" id="{F376ABD1-4930-42EB-9A73-9A9C7C6BF2D3}"/>
+                <a16:creationId xmlns="" xmlns:a16="http://schemas.microsoft.com/office/drawing/2014/main" id="{F376ABD1-4930-42EB-9A73-9A9C7C6BF2D3}"/>
               </a:ext>
             </a:extLst>
           </p:cNvPr>
@@ -3685,7 +3685,7 @@
           <p:cNvPr id="3" name="Retângulo 43">
             <a:extLst>
               <a:ext uri="{FF2B5EF4-FFF2-40B4-BE49-F238E27FC236}">
-                <a16:creationId xmlns:a16="http://schemas.microsoft.com/office/drawing/2014/main" xmlns="" id="{25FC8637-25BD-4C09-AF25-56B4243DAB3D}"/>
+                <a16:creationId xmlns="" xmlns:a16="http://schemas.microsoft.com/office/drawing/2014/main" id="{25FC8637-25BD-4C09-AF25-56B4243DAB3D}"/>
               </a:ext>
             </a:extLst>
           </p:cNvPr>
@@ -3738,7 +3738,7 @@
           <p:cNvPr id="7" name="Conector reto 49">
             <a:extLst>
               <a:ext uri="{FF2B5EF4-FFF2-40B4-BE49-F238E27FC236}">
-                <a16:creationId xmlns:a16="http://schemas.microsoft.com/office/drawing/2014/main" xmlns="" id="{6B6D7F6B-C184-4C2B-8EB7-067E0C1E8DF2}"/>
+                <a16:creationId xmlns="" xmlns:a16="http://schemas.microsoft.com/office/drawing/2014/main" id="{6B6D7F6B-C184-4C2B-8EB7-067E0C1E8DF2}"/>
               </a:ext>
             </a:extLst>
           </p:cNvPr>
@@ -3786,7 +3786,7 @@
             <a:hlinkClick r:id="rId2"/>
             <a:extLst>
               <a:ext uri="{FF2B5EF4-FFF2-40B4-BE49-F238E27FC236}">
-                <a16:creationId xmlns:a16="http://schemas.microsoft.com/office/drawing/2014/main" xmlns="" id="{F376ABD1-4930-42EB-9A73-9A9C7C6BF2D3}"/>
+                <a16:creationId xmlns="" xmlns:a16="http://schemas.microsoft.com/office/drawing/2014/main" id="{F376ABD1-4930-42EB-9A73-9A9C7C6BF2D3}"/>
               </a:ext>
             </a:extLst>
           </p:cNvPr>
@@ -3832,7 +3832,7 @@
           <p:cNvPr id="9" name="Retângulo 43">
             <a:extLst>
               <a:ext uri="{FF2B5EF4-FFF2-40B4-BE49-F238E27FC236}">
-                <a16:creationId xmlns:a16="http://schemas.microsoft.com/office/drawing/2014/main" xmlns="" id="{834ADCB4-BFB1-450D-8F6D-64217F4CD92C}"/>
+                <a16:creationId xmlns="" xmlns:a16="http://schemas.microsoft.com/office/drawing/2014/main" id="{834ADCB4-BFB1-450D-8F6D-64217F4CD92C}"/>
               </a:ext>
             </a:extLst>
           </p:cNvPr>
@@ -3950,7 +3950,7 @@
           <p:cNvPr id="3" name="Retângulo 43">
             <a:extLst>
               <a:ext uri="{FF2B5EF4-FFF2-40B4-BE49-F238E27FC236}">
-                <a16:creationId xmlns:a16="http://schemas.microsoft.com/office/drawing/2014/main" xmlns="" id="{25FC8637-25BD-4C09-AF25-56B4243DAB3D}"/>
+                <a16:creationId xmlns="" xmlns:a16="http://schemas.microsoft.com/office/drawing/2014/main" id="{25FC8637-25BD-4C09-AF25-56B4243DAB3D}"/>
               </a:ext>
             </a:extLst>
           </p:cNvPr>
@@ -4003,7 +4003,7 @@
           <p:cNvPr id="8" name="Conector reto 49">
             <a:extLst>
               <a:ext uri="{FF2B5EF4-FFF2-40B4-BE49-F238E27FC236}">
-                <a16:creationId xmlns:a16="http://schemas.microsoft.com/office/drawing/2014/main" xmlns="" id="{6B6D7F6B-C184-4C2B-8EB7-067E0C1E8DF2}"/>
+                <a16:creationId xmlns="" xmlns:a16="http://schemas.microsoft.com/office/drawing/2014/main" id="{6B6D7F6B-C184-4C2B-8EB7-067E0C1E8DF2}"/>
               </a:ext>
             </a:extLst>
           </p:cNvPr>
@@ -4051,7 +4051,7 @@
             <a:hlinkClick r:id="rId2"/>
             <a:extLst>
               <a:ext uri="{FF2B5EF4-FFF2-40B4-BE49-F238E27FC236}">
-                <a16:creationId xmlns:a16="http://schemas.microsoft.com/office/drawing/2014/main" xmlns="" id="{F376ABD1-4930-42EB-9A73-9A9C7C6BF2D3}"/>
+                <a16:creationId xmlns="" xmlns:a16="http://schemas.microsoft.com/office/drawing/2014/main" id="{F376ABD1-4930-42EB-9A73-9A9C7C6BF2D3}"/>
               </a:ext>
             </a:extLst>
           </p:cNvPr>
@@ -4097,7 +4097,7 @@
           <p:cNvPr id="10" name="Retângulo 43">
             <a:extLst>
               <a:ext uri="{FF2B5EF4-FFF2-40B4-BE49-F238E27FC236}">
-                <a16:creationId xmlns:a16="http://schemas.microsoft.com/office/drawing/2014/main" xmlns="" id="{834ADCB4-BFB1-450D-8F6D-64217F4CD92C}"/>
+                <a16:creationId xmlns="" xmlns:a16="http://schemas.microsoft.com/office/drawing/2014/main" id="{834ADCB4-BFB1-450D-8F6D-64217F4CD92C}"/>
               </a:ext>
             </a:extLst>
           </p:cNvPr>
@@ -4174,7 +4174,7 @@
           <p:cNvPr id="21" name="Text Placeholder 4">
             <a:extLst>
               <a:ext uri="{FF2B5EF4-FFF2-40B4-BE49-F238E27FC236}">
-                <a16:creationId xmlns:a16="http://schemas.microsoft.com/office/drawing/2014/main" xmlns="" id="{7B710EB7-4E56-449A-B5D4-12A5A50A258D}"/>
+                <a16:creationId xmlns="" xmlns:a16="http://schemas.microsoft.com/office/drawing/2014/main" id="{7B710EB7-4E56-449A-B5D4-12A5A50A258D}"/>
               </a:ext>
             </a:extLst>
           </p:cNvPr>
@@ -4237,7 +4237,7 @@
           <p:cNvPr id="17" name="Chart Placeholder 16">
             <a:extLst>
               <a:ext uri="{FF2B5EF4-FFF2-40B4-BE49-F238E27FC236}">
-                <a16:creationId xmlns:a16="http://schemas.microsoft.com/office/drawing/2014/main" xmlns="" id="{6093AB2F-A9E2-4259-8D2A-0E33C88FF1BC}"/>
+                <a16:creationId xmlns="" xmlns:a16="http://schemas.microsoft.com/office/drawing/2014/main" id="{6093AB2F-A9E2-4259-8D2A-0E33C88FF1BC}"/>
               </a:ext>
             </a:extLst>
           </p:cNvPr>
@@ -4278,7 +4278,7 @@
           <p:cNvPr id="18" name="Chart Placeholder 16">
             <a:extLst>
               <a:ext uri="{FF2B5EF4-FFF2-40B4-BE49-F238E27FC236}">
-                <a16:creationId xmlns:a16="http://schemas.microsoft.com/office/drawing/2014/main" xmlns="" id="{FFC514B9-95FB-485B-B1AD-4193B2310907}"/>
+                <a16:creationId xmlns="" xmlns:a16="http://schemas.microsoft.com/office/drawing/2014/main" id="{FFC514B9-95FB-485B-B1AD-4193B2310907}"/>
               </a:ext>
             </a:extLst>
           </p:cNvPr>
@@ -4319,7 +4319,7 @@
           <p:cNvPr id="22" name="Text Placeholder 4">
             <a:extLst>
               <a:ext uri="{FF2B5EF4-FFF2-40B4-BE49-F238E27FC236}">
-                <a16:creationId xmlns:a16="http://schemas.microsoft.com/office/drawing/2014/main" xmlns="" id="{212267A8-F086-40EB-BC5F-D9FE81725052}"/>
+                <a16:creationId xmlns="" xmlns:a16="http://schemas.microsoft.com/office/drawing/2014/main" id="{212267A8-F086-40EB-BC5F-D9FE81725052}"/>
               </a:ext>
             </a:extLst>
           </p:cNvPr>
@@ -4382,7 +4382,7 @@
           <p:cNvPr id="12" name="Retângulo 43">
             <a:extLst>
               <a:ext uri="{FF2B5EF4-FFF2-40B4-BE49-F238E27FC236}">
-                <a16:creationId xmlns:a16="http://schemas.microsoft.com/office/drawing/2014/main" xmlns="" id="{25FC8637-25BD-4C09-AF25-56B4243DAB3D}"/>
+                <a16:creationId xmlns="" xmlns:a16="http://schemas.microsoft.com/office/drawing/2014/main" id="{25FC8637-25BD-4C09-AF25-56B4243DAB3D}"/>
               </a:ext>
             </a:extLst>
           </p:cNvPr>
@@ -4435,7 +4435,7 @@
           <p:cNvPr id="13" name="Conector reto 49">
             <a:extLst>
               <a:ext uri="{FF2B5EF4-FFF2-40B4-BE49-F238E27FC236}">
-                <a16:creationId xmlns:a16="http://schemas.microsoft.com/office/drawing/2014/main" xmlns="" id="{6B6D7F6B-C184-4C2B-8EB7-067E0C1E8DF2}"/>
+                <a16:creationId xmlns="" xmlns:a16="http://schemas.microsoft.com/office/drawing/2014/main" id="{6B6D7F6B-C184-4C2B-8EB7-067E0C1E8DF2}"/>
               </a:ext>
             </a:extLst>
           </p:cNvPr>
@@ -4483,7 +4483,7 @@
             <a:hlinkClick r:id="rId2"/>
             <a:extLst>
               <a:ext uri="{FF2B5EF4-FFF2-40B4-BE49-F238E27FC236}">
-                <a16:creationId xmlns:a16="http://schemas.microsoft.com/office/drawing/2014/main" xmlns="" id="{F376ABD1-4930-42EB-9A73-9A9C7C6BF2D3}"/>
+                <a16:creationId xmlns="" xmlns:a16="http://schemas.microsoft.com/office/drawing/2014/main" id="{F376ABD1-4930-42EB-9A73-9A9C7C6BF2D3}"/>
               </a:ext>
             </a:extLst>
           </p:cNvPr>
@@ -4529,7 +4529,7 @@
           <p:cNvPr id="16" name="Title Placeholder 1">
             <a:extLst>
               <a:ext uri="{FF2B5EF4-FFF2-40B4-BE49-F238E27FC236}">
-                <a16:creationId xmlns:a16="http://schemas.microsoft.com/office/drawing/2014/main" xmlns="" id="{552BBB0A-405D-419D-8BD5-EC8D9F84B795}"/>
+                <a16:creationId xmlns="" xmlns:a16="http://schemas.microsoft.com/office/drawing/2014/main" id="{552BBB0A-405D-419D-8BD5-EC8D9F84B795}"/>
               </a:ext>
             </a:extLst>
           </p:cNvPr>
@@ -4577,7 +4577,7 @@
           <p:cNvPr id="25" name="Text Placeholder 4">
             <a:extLst>
               <a:ext uri="{FF2B5EF4-FFF2-40B4-BE49-F238E27FC236}">
-                <a16:creationId xmlns:a16="http://schemas.microsoft.com/office/drawing/2014/main" xmlns="" id="{7B710EB7-4E56-449A-B5D4-12A5A50A258D}"/>
+                <a16:creationId xmlns="" xmlns:a16="http://schemas.microsoft.com/office/drawing/2014/main" id="{7B710EB7-4E56-449A-B5D4-12A5A50A258D}"/>
               </a:ext>
             </a:extLst>
           </p:cNvPr>
@@ -4640,7 +4640,7 @@
           <p:cNvPr id="26" name="Chart Placeholder 16">
             <a:extLst>
               <a:ext uri="{FF2B5EF4-FFF2-40B4-BE49-F238E27FC236}">
-                <a16:creationId xmlns:a16="http://schemas.microsoft.com/office/drawing/2014/main" xmlns="" id="{6093AB2F-A9E2-4259-8D2A-0E33C88FF1BC}"/>
+                <a16:creationId xmlns="" xmlns:a16="http://schemas.microsoft.com/office/drawing/2014/main" id="{6093AB2F-A9E2-4259-8D2A-0E33C88FF1BC}"/>
               </a:ext>
             </a:extLst>
           </p:cNvPr>
@@ -4681,7 +4681,7 @@
           <p:cNvPr id="27" name="Chart Placeholder 16">
             <a:extLst>
               <a:ext uri="{FF2B5EF4-FFF2-40B4-BE49-F238E27FC236}">
-                <a16:creationId xmlns:a16="http://schemas.microsoft.com/office/drawing/2014/main" xmlns="" id="{FFC514B9-95FB-485B-B1AD-4193B2310907}"/>
+                <a16:creationId xmlns="" xmlns:a16="http://schemas.microsoft.com/office/drawing/2014/main" id="{FFC514B9-95FB-485B-B1AD-4193B2310907}"/>
               </a:ext>
             </a:extLst>
           </p:cNvPr>
@@ -4722,7 +4722,7 @@
           <p:cNvPr id="28" name="Text Placeholder 4">
             <a:extLst>
               <a:ext uri="{FF2B5EF4-FFF2-40B4-BE49-F238E27FC236}">
-                <a16:creationId xmlns:a16="http://schemas.microsoft.com/office/drawing/2014/main" xmlns="" id="{212267A8-F086-40EB-BC5F-D9FE81725052}"/>
+                <a16:creationId xmlns="" xmlns:a16="http://schemas.microsoft.com/office/drawing/2014/main" id="{212267A8-F086-40EB-BC5F-D9FE81725052}"/>
               </a:ext>
             </a:extLst>
           </p:cNvPr>
@@ -4785,7 +4785,7 @@
           <p:cNvPr id="29" name="Retângulo 43">
             <a:extLst>
               <a:ext uri="{FF2B5EF4-FFF2-40B4-BE49-F238E27FC236}">
-                <a16:creationId xmlns:a16="http://schemas.microsoft.com/office/drawing/2014/main" xmlns="" id="{834ADCB4-BFB1-450D-8F6D-64217F4CD92C}"/>
+                <a16:creationId xmlns="" xmlns:a16="http://schemas.microsoft.com/office/drawing/2014/main" id="{834ADCB4-BFB1-450D-8F6D-64217F4CD92C}"/>
               </a:ext>
             </a:extLst>
           </p:cNvPr>
@@ -4857,7 +4857,7 @@
           <p:cNvPr id="12" name="Graphic 11">
             <a:extLst>
               <a:ext uri="{FF2B5EF4-FFF2-40B4-BE49-F238E27FC236}">
-                <a16:creationId xmlns:a16="http://schemas.microsoft.com/office/drawing/2014/main" xmlns="" id="{10113F8D-52D8-4246-B9BC-1A6D3EF8C72C}"/>
+                <a16:creationId xmlns="" xmlns:a16="http://schemas.microsoft.com/office/drawing/2014/main" id="{10113F8D-52D8-4246-B9BC-1A6D3EF8C72C}"/>
               </a:ext>
             </a:extLst>
           </p:cNvPr>
@@ -4870,7 +4870,7 @@
           <a:blip r:embed="rId2" cstate="print">
             <a:extLst>
               <a:ext uri="{96DAC541-7B7A-43D3-8B79-37D633B846F1}">
-                <asvg:svgBlip xmlns:asvg="http://schemas.microsoft.com/office/drawing/2016/SVG/main" xmlns="" r:embed="rId3"/>
+                <asvg:svgBlip xmlns="" xmlns:asvg="http://schemas.microsoft.com/office/drawing/2016/SVG/main" r:embed="rId3"/>
               </a:ext>
             </a:extLst>
           </a:blip>
@@ -4937,7 +4937,7 @@
           <p:cNvPr id="39" name="Text Placeholder 7">
             <a:extLst>
               <a:ext uri="{FF2B5EF4-FFF2-40B4-BE49-F238E27FC236}">
-                <a16:creationId xmlns:a16="http://schemas.microsoft.com/office/drawing/2014/main" xmlns="" id="{3E908611-FBB7-4987-BE0F-F09EAF1FFC80}"/>
+                <a16:creationId xmlns="" xmlns:a16="http://schemas.microsoft.com/office/drawing/2014/main" id="{3E908611-FBB7-4987-BE0F-F09EAF1FFC80}"/>
               </a:ext>
             </a:extLst>
           </p:cNvPr>
@@ -5017,7 +5017,7 @@
           <p:cNvPr id="40" name="Text Placeholder 7">
             <a:extLst>
               <a:ext uri="{FF2B5EF4-FFF2-40B4-BE49-F238E27FC236}">
-                <a16:creationId xmlns:a16="http://schemas.microsoft.com/office/drawing/2014/main" xmlns="" id="{306025B9-0362-4974-8920-7C764289CBA0}"/>
+                <a16:creationId xmlns="" xmlns:a16="http://schemas.microsoft.com/office/drawing/2014/main" id="{306025B9-0362-4974-8920-7C764289CBA0}"/>
               </a:ext>
             </a:extLst>
           </p:cNvPr>
@@ -5118,7 +5118,7 @@
           <p:cNvPr id="41" name="Text Placeholder 7">
             <a:extLst>
               <a:ext uri="{FF2B5EF4-FFF2-40B4-BE49-F238E27FC236}">
-                <a16:creationId xmlns:a16="http://schemas.microsoft.com/office/drawing/2014/main" xmlns="" id="{257644F2-F28D-4087-B791-1E7F26C4AD1C}"/>
+                <a16:creationId xmlns="" xmlns:a16="http://schemas.microsoft.com/office/drawing/2014/main" id="{257644F2-F28D-4087-B791-1E7F26C4AD1C}"/>
               </a:ext>
             </a:extLst>
           </p:cNvPr>
@@ -5198,7 +5198,7 @@
           <p:cNvPr id="42" name="Text Placeholder 7">
             <a:extLst>
               <a:ext uri="{FF2B5EF4-FFF2-40B4-BE49-F238E27FC236}">
-                <a16:creationId xmlns:a16="http://schemas.microsoft.com/office/drawing/2014/main" xmlns="" id="{25F62A33-F672-4099-9B72-9B2267F22ACF}"/>
+                <a16:creationId xmlns="" xmlns:a16="http://schemas.microsoft.com/office/drawing/2014/main" id="{25F62A33-F672-4099-9B72-9B2267F22ACF}"/>
               </a:ext>
             </a:extLst>
           </p:cNvPr>
@@ -5278,7 +5278,7 @@
           <p:cNvPr id="43" name="Text Placeholder 7">
             <a:extLst>
               <a:ext uri="{FF2B5EF4-FFF2-40B4-BE49-F238E27FC236}">
-                <a16:creationId xmlns:a16="http://schemas.microsoft.com/office/drawing/2014/main" xmlns="" id="{72FF6EE1-C46D-4DEB-A508-49B5101CF26E}"/>
+                <a16:creationId xmlns="" xmlns:a16="http://schemas.microsoft.com/office/drawing/2014/main" id="{72FF6EE1-C46D-4DEB-A508-49B5101CF26E}"/>
               </a:ext>
             </a:extLst>
           </p:cNvPr>
@@ -5358,7 +5358,7 @@
           <p:cNvPr id="44" name="Text Placeholder 7">
             <a:extLst>
               <a:ext uri="{FF2B5EF4-FFF2-40B4-BE49-F238E27FC236}">
-                <a16:creationId xmlns:a16="http://schemas.microsoft.com/office/drawing/2014/main" xmlns="" id="{931D06D9-EA9B-42A0-81EE-D669D6CA5F33}"/>
+                <a16:creationId xmlns="" xmlns:a16="http://schemas.microsoft.com/office/drawing/2014/main" id="{931D06D9-EA9B-42A0-81EE-D669D6CA5F33}"/>
               </a:ext>
             </a:extLst>
           </p:cNvPr>
@@ -5438,7 +5438,7 @@
           <p:cNvPr id="45" name="Text Placeholder 7">
             <a:extLst>
               <a:ext uri="{FF2B5EF4-FFF2-40B4-BE49-F238E27FC236}">
-                <a16:creationId xmlns:a16="http://schemas.microsoft.com/office/drawing/2014/main" xmlns="" id="{EFEA829A-6217-4965-B7BD-6BC37F7849AB}"/>
+                <a16:creationId xmlns="" xmlns:a16="http://schemas.microsoft.com/office/drawing/2014/main" id="{EFEA829A-6217-4965-B7BD-6BC37F7849AB}"/>
               </a:ext>
             </a:extLst>
           </p:cNvPr>
@@ -5518,7 +5518,7 @@
           <p:cNvPr id="46" name="Text Placeholder 7">
             <a:extLst>
               <a:ext uri="{FF2B5EF4-FFF2-40B4-BE49-F238E27FC236}">
-                <a16:creationId xmlns:a16="http://schemas.microsoft.com/office/drawing/2014/main" xmlns="" id="{E05DDB93-91CA-4BAF-9D63-E4134B435D8F}"/>
+                <a16:creationId xmlns="" xmlns:a16="http://schemas.microsoft.com/office/drawing/2014/main" id="{E05DDB93-91CA-4BAF-9D63-E4134B435D8F}"/>
               </a:ext>
             </a:extLst>
           </p:cNvPr>
@@ -5598,7 +5598,7 @@
           <p:cNvPr id="48" name="Picture Placeholder 47">
             <a:extLst>
               <a:ext uri="{FF2B5EF4-FFF2-40B4-BE49-F238E27FC236}">
-                <a16:creationId xmlns:a16="http://schemas.microsoft.com/office/drawing/2014/main" xmlns="" id="{51CA337D-4B25-44C1-847A-AC0D74277B60}"/>
+                <a16:creationId xmlns="" xmlns:a16="http://schemas.microsoft.com/office/drawing/2014/main" id="{51CA337D-4B25-44C1-847A-AC0D74277B60}"/>
               </a:ext>
             </a:extLst>
           </p:cNvPr>
@@ -5639,7 +5639,7 @@
           <p:cNvPr id="13" name="Title Placeholder 1">
             <a:extLst>
               <a:ext uri="{FF2B5EF4-FFF2-40B4-BE49-F238E27FC236}">
-                <a16:creationId xmlns:a16="http://schemas.microsoft.com/office/drawing/2014/main" xmlns="" id="{552BBB0A-405D-419D-8BD5-EC8D9F84B795}"/>
+                <a16:creationId xmlns="" xmlns:a16="http://schemas.microsoft.com/office/drawing/2014/main" id="{552BBB0A-405D-419D-8BD5-EC8D9F84B795}"/>
               </a:ext>
             </a:extLst>
           </p:cNvPr>
@@ -5691,7 +5691,7 @@
           <p:cNvPr id="15" name="Retângulo 43">
             <a:extLst>
               <a:ext uri="{FF2B5EF4-FFF2-40B4-BE49-F238E27FC236}">
-                <a16:creationId xmlns:a16="http://schemas.microsoft.com/office/drawing/2014/main" xmlns="" id="{25FC8637-25BD-4C09-AF25-56B4243DAB3D}"/>
+                <a16:creationId xmlns="" xmlns:a16="http://schemas.microsoft.com/office/drawing/2014/main" id="{25FC8637-25BD-4C09-AF25-56B4243DAB3D}"/>
               </a:ext>
             </a:extLst>
           </p:cNvPr>
@@ -5744,7 +5744,7 @@
           <p:cNvPr id="16" name="Conector reto 49">
             <a:extLst>
               <a:ext uri="{FF2B5EF4-FFF2-40B4-BE49-F238E27FC236}">
-                <a16:creationId xmlns:a16="http://schemas.microsoft.com/office/drawing/2014/main" xmlns="" id="{6B6D7F6B-C184-4C2B-8EB7-067E0C1E8DF2}"/>
+                <a16:creationId xmlns="" xmlns:a16="http://schemas.microsoft.com/office/drawing/2014/main" id="{6B6D7F6B-C184-4C2B-8EB7-067E0C1E8DF2}"/>
               </a:ext>
             </a:extLst>
           </p:cNvPr>
@@ -5794,7 +5794,7 @@
             <a:hlinkClick r:id="rId4"/>
             <a:extLst>
               <a:ext uri="{FF2B5EF4-FFF2-40B4-BE49-F238E27FC236}">
-                <a16:creationId xmlns:a16="http://schemas.microsoft.com/office/drawing/2014/main" xmlns="" id="{F376ABD1-4930-42EB-9A73-9A9C7C6BF2D3}"/>
+                <a16:creationId xmlns="" xmlns:a16="http://schemas.microsoft.com/office/drawing/2014/main" id="{F376ABD1-4930-42EB-9A73-9A9C7C6BF2D3}"/>
               </a:ext>
             </a:extLst>
           </p:cNvPr>
@@ -5840,7 +5840,7 @@
           <p:cNvPr id="18" name="Retângulo 43">
             <a:extLst>
               <a:ext uri="{FF2B5EF4-FFF2-40B4-BE49-F238E27FC236}">
-                <a16:creationId xmlns:a16="http://schemas.microsoft.com/office/drawing/2014/main" xmlns="" id="{834ADCB4-BFB1-450D-8F6D-64217F4CD92C}"/>
+                <a16:creationId xmlns="" xmlns:a16="http://schemas.microsoft.com/office/drawing/2014/main" id="{834ADCB4-BFB1-450D-8F6D-64217F4CD92C}"/>
               </a:ext>
             </a:extLst>
           </p:cNvPr>
@@ -5910,7 +5910,7 @@
           <p:cNvPr id="8" name="Text Placeholder 7">
             <a:extLst>
               <a:ext uri="{FF2B5EF4-FFF2-40B4-BE49-F238E27FC236}">
-                <a16:creationId xmlns:a16="http://schemas.microsoft.com/office/drawing/2014/main" xmlns="" id="{27CE2609-37DA-4C4C-BF45-E56CE85AA41D}"/>
+                <a16:creationId xmlns="" xmlns:a16="http://schemas.microsoft.com/office/drawing/2014/main" id="{27CE2609-37DA-4C4C-BF45-E56CE85AA41D}"/>
               </a:ext>
             </a:extLst>
           </p:cNvPr>
@@ -5984,7 +5984,7 @@
           <p:cNvPr id="11" name="Text Placeholder 7">
             <a:extLst>
               <a:ext uri="{FF2B5EF4-FFF2-40B4-BE49-F238E27FC236}">
-                <a16:creationId xmlns:a16="http://schemas.microsoft.com/office/drawing/2014/main" xmlns="" id="{4F279807-494A-45DD-A5C6-24F625316B92}"/>
+                <a16:creationId xmlns="" xmlns:a16="http://schemas.microsoft.com/office/drawing/2014/main" id="{4F279807-494A-45DD-A5C6-24F625316B92}"/>
               </a:ext>
             </a:extLst>
           </p:cNvPr>
@@ -6058,7 +6058,7 @@
           <p:cNvPr id="13" name="Text Placeholder 7">
             <a:extLst>
               <a:ext uri="{FF2B5EF4-FFF2-40B4-BE49-F238E27FC236}">
-                <a16:creationId xmlns:a16="http://schemas.microsoft.com/office/drawing/2014/main" xmlns="" id="{D8D7F005-BA7C-423E-87B0-6782D88233F6}"/>
+                <a16:creationId xmlns="" xmlns:a16="http://schemas.microsoft.com/office/drawing/2014/main" id="{D8D7F005-BA7C-423E-87B0-6782D88233F6}"/>
               </a:ext>
             </a:extLst>
           </p:cNvPr>
@@ -6132,7 +6132,7 @@
           <p:cNvPr id="14" name="Text Placeholder 7">
             <a:extLst>
               <a:ext uri="{FF2B5EF4-FFF2-40B4-BE49-F238E27FC236}">
-                <a16:creationId xmlns:a16="http://schemas.microsoft.com/office/drawing/2014/main" xmlns="" id="{47BDC0DA-1585-454D-9E74-41D2AFC0FEE5}"/>
+                <a16:creationId xmlns="" xmlns:a16="http://schemas.microsoft.com/office/drawing/2014/main" id="{47BDC0DA-1585-454D-9E74-41D2AFC0FEE5}"/>
               </a:ext>
             </a:extLst>
           </p:cNvPr>
@@ -6206,7 +6206,7 @@
           <p:cNvPr id="9" name="Title Placeholder 1">
             <a:extLst>
               <a:ext uri="{FF2B5EF4-FFF2-40B4-BE49-F238E27FC236}">
-                <a16:creationId xmlns:a16="http://schemas.microsoft.com/office/drawing/2014/main" xmlns="" id="{6733E381-C11A-4F10-88ED-DDEA4B9167E2}"/>
+                <a16:creationId xmlns="" xmlns:a16="http://schemas.microsoft.com/office/drawing/2014/main" id="{6733E381-C11A-4F10-88ED-DDEA4B9167E2}"/>
               </a:ext>
             </a:extLst>
           </p:cNvPr>
@@ -6258,7 +6258,7 @@
           <p:cNvPr id="16" name="Retângulo 43">
             <a:extLst>
               <a:ext uri="{FF2B5EF4-FFF2-40B4-BE49-F238E27FC236}">
-                <a16:creationId xmlns:a16="http://schemas.microsoft.com/office/drawing/2014/main" xmlns="" id="{25FC8637-25BD-4C09-AF25-56B4243DAB3D}"/>
+                <a16:creationId xmlns="" xmlns:a16="http://schemas.microsoft.com/office/drawing/2014/main" id="{25FC8637-25BD-4C09-AF25-56B4243DAB3D}"/>
               </a:ext>
             </a:extLst>
           </p:cNvPr>
@@ -6311,7 +6311,7 @@
           <p:cNvPr id="20" name="Conector reto 49">
             <a:extLst>
               <a:ext uri="{FF2B5EF4-FFF2-40B4-BE49-F238E27FC236}">
-                <a16:creationId xmlns:a16="http://schemas.microsoft.com/office/drawing/2014/main" xmlns="" id="{6B6D7F6B-C184-4C2B-8EB7-067E0C1E8DF2}"/>
+                <a16:creationId xmlns="" xmlns:a16="http://schemas.microsoft.com/office/drawing/2014/main" id="{6B6D7F6B-C184-4C2B-8EB7-067E0C1E8DF2}"/>
               </a:ext>
             </a:extLst>
           </p:cNvPr>
@@ -6359,7 +6359,7 @@
             <a:hlinkClick r:id="rId2"/>
             <a:extLst>
               <a:ext uri="{FF2B5EF4-FFF2-40B4-BE49-F238E27FC236}">
-                <a16:creationId xmlns:a16="http://schemas.microsoft.com/office/drawing/2014/main" xmlns="" id="{F376ABD1-4930-42EB-9A73-9A9C7C6BF2D3}"/>
+                <a16:creationId xmlns="" xmlns:a16="http://schemas.microsoft.com/office/drawing/2014/main" id="{F376ABD1-4930-42EB-9A73-9A9C7C6BF2D3}"/>
               </a:ext>
             </a:extLst>
           </p:cNvPr>
@@ -6405,7 +6405,7 @@
           <p:cNvPr id="22" name="Retângulo 43">
             <a:extLst>
               <a:ext uri="{FF2B5EF4-FFF2-40B4-BE49-F238E27FC236}">
-                <a16:creationId xmlns:a16="http://schemas.microsoft.com/office/drawing/2014/main" xmlns="" id="{834ADCB4-BFB1-450D-8F6D-64217F4CD92C}"/>
+                <a16:creationId xmlns="" xmlns:a16="http://schemas.microsoft.com/office/drawing/2014/main" id="{834ADCB4-BFB1-450D-8F6D-64217F4CD92C}"/>
               </a:ext>
             </a:extLst>
           </p:cNvPr>
@@ -6531,7 +6531,7 @@
           <p:cNvPr id="8" name="Title Placeholder 1">
             <a:extLst>
               <a:ext uri="{FF2B5EF4-FFF2-40B4-BE49-F238E27FC236}">
-                <a16:creationId xmlns:a16="http://schemas.microsoft.com/office/drawing/2014/main" xmlns="" id="{366C6B93-5A4F-43B7-84C4-C42EC870AB53}"/>
+                <a16:creationId xmlns="" xmlns:a16="http://schemas.microsoft.com/office/drawing/2014/main" id="{366C6B93-5A4F-43B7-84C4-C42EC870AB53}"/>
               </a:ext>
             </a:extLst>
           </p:cNvPr>
@@ -6575,7 +6575,7 @@
           <p:cNvPr id="9" name="Text Placeholder 2">
             <a:extLst>
               <a:ext uri="{FF2B5EF4-FFF2-40B4-BE49-F238E27FC236}">
-                <a16:creationId xmlns:a16="http://schemas.microsoft.com/office/drawing/2014/main" xmlns="" id="{AF310831-D03E-404B-934F-73B268225B7E}"/>
+                <a16:creationId xmlns="" xmlns:a16="http://schemas.microsoft.com/office/drawing/2014/main" id="{AF310831-D03E-404B-934F-73B268225B7E}"/>
               </a:ext>
             </a:extLst>
           </p:cNvPr>
@@ -6635,7 +6635,7 @@
           <p:cNvPr id="5" name="Graphic 4">
             <a:extLst>
               <a:ext uri="{FF2B5EF4-FFF2-40B4-BE49-F238E27FC236}">
-                <a16:creationId xmlns:a16="http://schemas.microsoft.com/office/drawing/2014/main" xmlns="" id="{25EEA1D4-3AF7-42D7-AE97-AE404AECFAEB}"/>
+                <a16:creationId xmlns="" xmlns:a16="http://schemas.microsoft.com/office/drawing/2014/main" id="{25EEA1D4-3AF7-42D7-AE97-AE404AECFAEB}"/>
               </a:ext>
             </a:extLst>
           </p:cNvPr>
@@ -6648,7 +6648,7 @@
           <a:blip r:embed="rId4" cstate="print">
             <a:extLst>
               <a:ext uri="{96DAC541-7B7A-43D3-8B79-37D633B846F1}">
-                <asvg:svgBlip xmlns:asvg="http://schemas.microsoft.com/office/drawing/2016/SVG/main" xmlns="" r:embed="rId5"/>
+                <asvg:svgBlip xmlns="" xmlns:asvg="http://schemas.microsoft.com/office/drawing/2016/SVG/main" r:embed="rId5"/>
               </a:ext>
             </a:extLst>
           </a:blip>
@@ -7047,7 +7047,7 @@
           <p:cNvPr id="2" name="Title Placeholder 1">
             <a:extLst>
               <a:ext uri="{FF2B5EF4-FFF2-40B4-BE49-F238E27FC236}">
-                <a16:creationId xmlns:a16="http://schemas.microsoft.com/office/drawing/2014/main" xmlns="" id="{F2EB016D-CF9A-4584-982E-40465F70132F}"/>
+                <a16:creationId xmlns="" xmlns:a16="http://schemas.microsoft.com/office/drawing/2014/main" id="{F2EB016D-CF9A-4584-982E-40465F70132F}"/>
               </a:ext>
             </a:extLst>
           </p:cNvPr>
@@ -7091,7 +7091,7 @@
           <p:cNvPr id="9" name="Graphic 4">
             <a:extLst>
               <a:ext uri="{FF2B5EF4-FFF2-40B4-BE49-F238E27FC236}">
-                <a16:creationId xmlns:a16="http://schemas.microsoft.com/office/drawing/2014/main" xmlns="" id="{25EEA1D4-3AF7-42D7-AE97-AE404AECFAEB}"/>
+                <a16:creationId xmlns="" xmlns:a16="http://schemas.microsoft.com/office/drawing/2014/main" id="{25EEA1D4-3AF7-42D7-AE97-AE404AECFAEB}"/>
               </a:ext>
             </a:extLst>
           </p:cNvPr>
@@ -7104,7 +7104,7 @@
           <a:blip r:embed="rId10" cstate="print">
             <a:extLst>
               <a:ext uri="{96DAC541-7B7A-43D3-8B79-37D633B846F1}">
-                <asvg:svgBlip xmlns:asvg="http://schemas.microsoft.com/office/drawing/2016/SVG/main" xmlns="" r:embed="rId11"/>
+                <asvg:svgBlip xmlns="" xmlns:asvg="http://schemas.microsoft.com/office/drawing/2016/SVG/main" r:embed="rId11"/>
               </a:ext>
             </a:extLst>
           </a:blip>
@@ -7126,7 +7126,7 @@
           <p:cNvPr id="13" name="Text Placeholder 2">
             <a:extLst>
               <a:ext uri="{FF2B5EF4-FFF2-40B4-BE49-F238E27FC236}">
-                <a16:creationId xmlns:a16="http://schemas.microsoft.com/office/drawing/2014/main" xmlns="" id="{AF310831-D03E-404B-934F-73B268225B7E}"/>
+                <a16:creationId xmlns="" xmlns:a16="http://schemas.microsoft.com/office/drawing/2014/main" id="{AF310831-D03E-404B-934F-73B268225B7E}"/>
               </a:ext>
             </a:extLst>
           </p:cNvPr>
@@ -9277,7 +9277,7 @@
           <p:cNvPr id="13" name="Graphic 4">
             <a:extLst>
               <a:ext uri="{FF2B5EF4-FFF2-40B4-BE49-F238E27FC236}">
-                <a16:creationId xmlns:a16="http://schemas.microsoft.com/office/drawing/2014/main" xmlns="" id="{25EEA1D4-3AF7-42D7-AE97-AE404AECFAEB}"/>
+                <a16:creationId xmlns="" xmlns:a16="http://schemas.microsoft.com/office/drawing/2014/main" id="{25EEA1D4-3AF7-42D7-AE97-AE404AECFAEB}"/>
               </a:ext>
             </a:extLst>
           </p:cNvPr>
@@ -9290,7 +9290,7 @@
           <a:blip r:embed="rId2" cstate="print">
             <a:extLst>
               <a:ext uri="{96DAC541-7B7A-43D3-8B79-37D633B846F1}">
-                <asvg:svgBlip xmlns:asvg="http://schemas.microsoft.com/office/drawing/2016/SVG/main" xmlns="" r:embed="rId3"/>
+                <asvg:svgBlip xmlns="" xmlns:asvg="http://schemas.microsoft.com/office/drawing/2016/SVG/main" r:embed="rId3"/>
               </a:ext>
             </a:extLst>
           </a:blip>
@@ -9312,7 +9312,7 @@
           <p:cNvPr id="14" name="Title Placeholder 1">
             <a:extLst>
               <a:ext uri="{FF2B5EF4-FFF2-40B4-BE49-F238E27FC236}">
-                <a16:creationId xmlns:a16="http://schemas.microsoft.com/office/drawing/2014/main" xmlns="" id="{F2EB016D-CF9A-4584-982E-40465F70132F}"/>
+                <a16:creationId xmlns="" xmlns:a16="http://schemas.microsoft.com/office/drawing/2014/main" id="{F2EB016D-CF9A-4584-982E-40465F70132F}"/>
               </a:ext>
             </a:extLst>
           </p:cNvPr>
@@ -9356,7 +9356,7 @@
           <p:cNvPr id="15" name="Text Placeholder 2">
             <a:extLst>
               <a:ext uri="{FF2B5EF4-FFF2-40B4-BE49-F238E27FC236}">
-                <a16:creationId xmlns:a16="http://schemas.microsoft.com/office/drawing/2014/main" xmlns="" id="{AF310831-D03E-404B-934F-73B268225B7E}"/>
+                <a16:creationId xmlns="" xmlns:a16="http://schemas.microsoft.com/office/drawing/2014/main" id="{AF310831-D03E-404B-934F-73B268225B7E}"/>
               </a:ext>
             </a:extLst>
           </p:cNvPr>
@@ -11502,6 +11502,277 @@
           <a:chExt cx="0" cy="0"/>
         </a:xfrm>
       </p:grpSpPr>
+      <p:pic>
+        <p:nvPicPr>
+          <p:cNvPr id="2" name="Picture 1"/>
+          <p:cNvPicPr>
+            <a:picLocks noChangeAspect="1"/>
+          </p:cNvPicPr>
+          <p:nvPr/>
+        </p:nvPicPr>
+        <p:blipFill rotWithShape="1">
+          <a:blip r:embed="rId2">
+            <a:extLst>
+              <a:ext uri="{28A0092B-C50C-407E-A947-70E740481C1C}">
+                <a14:useLocalDpi xmlns:a14="http://schemas.microsoft.com/office/drawing/2010/main" val="0"/>
+              </a:ext>
+            </a:extLst>
+          </a:blip>
+          <a:srcRect l="12172" t="39753" r="12726" b="18765"/>
+          <a:stretch/>
+        </p:blipFill>
+        <p:spPr>
+          <a:xfrm>
+            <a:off x="6559827" y="3951219"/>
+            <a:ext cx="4770782" cy="2226365"/>
+          </a:xfrm>
+          <a:prstGeom prst="rect">
+            <a:avLst/>
+          </a:prstGeom>
+        </p:spPr>
+      </p:pic>
+      <p:sp>
+        <p:nvSpPr>
+          <p:cNvPr id="3" name="TextBox 2"/>
+          <p:cNvSpPr txBox="1"/>
+          <p:nvPr/>
+        </p:nvSpPr>
+        <p:spPr>
+          <a:xfrm>
+            <a:off x="2146852" y="185310"/>
+            <a:ext cx="7885043" cy="769441"/>
+          </a:xfrm>
+          <a:prstGeom prst="rect">
+            <a:avLst/>
+          </a:prstGeom>
+          <a:noFill/>
+        </p:spPr>
+        <p:txBody>
+          <a:bodyPr wrap="square" rtlCol="0">
+            <a:spAutoFit/>
+          </a:bodyPr>
+          <a:lstStyle/>
+          <a:p>
+            <a:r>
+              <a:rPr lang="en-US" sz="4400" dirty="0" smtClean="0">
+                <a:solidFill>
+                  <a:schemeClr val="tx2"/>
+                </a:solidFill>
+              </a:rPr>
+              <a:t>Types Of Operating System </a:t>
+            </a:r>
+          </a:p>
+        </p:txBody>
+      </p:sp>
+      <p:pic>
+        <p:nvPicPr>
+          <p:cNvPr id="4" name="Picture 3"/>
+          <p:cNvPicPr>
+            <a:picLocks noChangeAspect="1"/>
+          </p:cNvPicPr>
+          <p:nvPr/>
+        </p:nvPicPr>
+        <p:blipFill>
+          <a:blip r:embed="rId3">
+            <a:extLst>
+              <a:ext uri="{28A0092B-C50C-407E-A947-70E740481C1C}">
+                <a14:useLocalDpi xmlns:a14="http://schemas.microsoft.com/office/drawing/2010/main" val="0"/>
+              </a:ext>
+            </a:extLst>
+          </a:blip>
+          <a:stretch>
+            <a:fillRect/>
+          </a:stretch>
+        </p:blipFill>
+        <p:spPr>
+          <a:xfrm>
+            <a:off x="1075289" y="3951219"/>
+            <a:ext cx="2847975" cy="2381250"/>
+          </a:xfrm>
+          <a:prstGeom prst="rect">
+            <a:avLst/>
+          </a:prstGeom>
+        </p:spPr>
+      </p:pic>
+      <p:pic>
+        <p:nvPicPr>
+          <p:cNvPr id="6" name="Picture 5"/>
+          <p:cNvPicPr>
+            <a:picLocks noChangeAspect="1"/>
+          </p:cNvPicPr>
+          <p:nvPr/>
+        </p:nvPicPr>
+        <p:blipFill>
+          <a:blip r:embed="rId4">
+            <a:extLst>
+              <a:ext uri="{28A0092B-C50C-407E-A947-70E740481C1C}">
+                <a14:useLocalDpi xmlns:a14="http://schemas.microsoft.com/office/drawing/2010/main" val="0"/>
+              </a:ext>
+            </a:extLst>
+          </a:blip>
+          <a:stretch>
+            <a:fillRect/>
+          </a:stretch>
+        </p:blipFill>
+        <p:spPr>
+          <a:xfrm>
+            <a:off x="6692349" y="1414054"/>
+            <a:ext cx="4141304" cy="2009750"/>
+          </a:xfrm>
+          <a:prstGeom prst="rect">
+            <a:avLst/>
+          </a:prstGeom>
+        </p:spPr>
+      </p:pic>
+      <p:pic>
+        <p:nvPicPr>
+          <p:cNvPr id="7" name="Picture 6"/>
+          <p:cNvPicPr>
+            <a:picLocks noChangeAspect="1"/>
+          </p:cNvPicPr>
+          <p:nvPr/>
+        </p:nvPicPr>
+        <p:blipFill rotWithShape="1">
+          <a:blip r:embed="rId5">
+            <a:extLst>
+              <a:ext uri="{28A0092B-C50C-407E-A947-70E740481C1C}">
+                <a14:useLocalDpi xmlns:a14="http://schemas.microsoft.com/office/drawing/2010/main" val="0"/>
+              </a:ext>
+            </a:extLst>
+          </a:blip>
+          <a:srcRect t="15122"/>
+          <a:stretch/>
+        </p:blipFill>
+        <p:spPr>
+          <a:xfrm>
+            <a:off x="754061" y="1391172"/>
+            <a:ext cx="3490432" cy="1987826"/>
+          </a:xfrm>
+          <a:prstGeom prst="rect">
+            <a:avLst/>
+          </a:prstGeom>
+        </p:spPr>
+      </p:pic>
+      <p:sp>
+        <p:nvSpPr>
+          <p:cNvPr id="8" name="TextBox 7"/>
+          <p:cNvSpPr txBox="1"/>
+          <p:nvPr/>
+        </p:nvSpPr>
+        <p:spPr>
+          <a:xfrm>
+            <a:off x="7136296" y="959494"/>
+            <a:ext cx="3617844" cy="369332"/>
+          </a:xfrm>
+          <a:prstGeom prst="rect">
+            <a:avLst/>
+          </a:prstGeom>
+          <a:noFill/>
+        </p:spPr>
+        <p:txBody>
+          <a:bodyPr wrap="square" rtlCol="0">
+            <a:spAutoFit/>
+          </a:bodyPr>
+          <a:lstStyle/>
+          <a:p>
+            <a:r>
+              <a:rPr lang="en-US" dirty="0" smtClean="0"/>
+              <a:t>Batch Operating System</a:t>
+            </a:r>
+            <a:endParaRPr lang="en-US" dirty="0"/>
+          </a:p>
+        </p:txBody>
+      </p:sp>
+      <p:sp>
+        <p:nvSpPr>
+          <p:cNvPr id="10" name="TextBox 9"/>
+          <p:cNvSpPr txBox="1"/>
+          <p:nvPr/>
+        </p:nvSpPr>
+        <p:spPr>
+          <a:xfrm>
+            <a:off x="754061" y="1007370"/>
+            <a:ext cx="3761754" cy="369332"/>
+          </a:xfrm>
+          <a:prstGeom prst="rect">
+            <a:avLst/>
+          </a:prstGeom>
+          <a:noFill/>
+        </p:spPr>
+        <p:txBody>
+          <a:bodyPr wrap="square" rtlCol="0">
+            <a:spAutoFit/>
+          </a:bodyPr>
+          <a:lstStyle/>
+          <a:p>
+            <a:r>
+              <a:rPr lang="en-US" dirty="0" smtClean="0"/>
+              <a:t>Distributed Operating System</a:t>
+            </a:r>
+            <a:endParaRPr lang="en-US" dirty="0"/>
+          </a:p>
+        </p:txBody>
+      </p:sp>
+      <p:sp>
+        <p:nvSpPr>
+          <p:cNvPr id="11" name="TextBox 10"/>
+          <p:cNvSpPr txBox="1"/>
+          <p:nvPr/>
+        </p:nvSpPr>
+        <p:spPr>
+          <a:xfrm>
+            <a:off x="7136296" y="3661620"/>
+            <a:ext cx="4797287" cy="369332"/>
+          </a:xfrm>
+          <a:prstGeom prst="rect">
+            <a:avLst/>
+          </a:prstGeom>
+          <a:noFill/>
+        </p:spPr>
+        <p:txBody>
+          <a:bodyPr wrap="square" rtlCol="0">
+            <a:spAutoFit/>
+          </a:bodyPr>
+          <a:lstStyle/>
+          <a:p>
+            <a:r>
+              <a:rPr lang="en-US" dirty="0" smtClean="0"/>
+              <a:t>Network Operating System</a:t>
+            </a:r>
+            <a:endParaRPr lang="en-US" dirty="0"/>
+          </a:p>
+        </p:txBody>
+      </p:sp>
+      <p:sp>
+        <p:nvSpPr>
+          <p:cNvPr id="13" name="TextBox 12"/>
+          <p:cNvSpPr txBox="1"/>
+          <p:nvPr/>
+        </p:nvSpPr>
+        <p:spPr>
+          <a:xfrm>
+            <a:off x="754061" y="3559403"/>
+            <a:ext cx="4161182" cy="369332"/>
+          </a:xfrm>
+          <a:prstGeom prst="rect">
+            <a:avLst/>
+          </a:prstGeom>
+          <a:noFill/>
+        </p:spPr>
+        <p:txBody>
+          <a:bodyPr wrap="square" rtlCol="0">
+            <a:spAutoFit/>
+          </a:bodyPr>
+          <a:lstStyle/>
+          <a:p>
+            <a:r>
+              <a:rPr lang="en-US" dirty="0" smtClean="0"/>
+              <a:t>Multi Tasking Operating System</a:t>
+            </a:r>
+            <a:endParaRPr lang="en-US" dirty="0"/>
+          </a:p>
+        </p:txBody>
+      </p:sp>
     </p:spTree>
     <p:extLst>
       <p:ext uri="{BB962C8B-B14F-4D97-AF65-F5344CB8AC3E}">
@@ -11532,9 +11803,47 @@
           <a:chExt cx="0" cy="0"/>
         </a:xfrm>
       </p:grpSpPr>
+      <p:sp>
+        <p:nvSpPr>
+          <p:cNvPr id="4" name="TextBox 3"/>
+          <p:cNvSpPr txBox="1"/>
+          <p:nvPr/>
+        </p:nvSpPr>
+        <p:spPr>
+          <a:xfrm>
+            <a:off x="3081129" y="424070"/>
+            <a:ext cx="5645426" cy="769441"/>
+          </a:xfrm>
+          <a:prstGeom prst="rect">
+            <a:avLst/>
+          </a:prstGeom>
+          <a:noFill/>
+        </p:spPr>
+        <p:txBody>
+          <a:bodyPr wrap="square" rtlCol="0">
+            <a:spAutoFit/>
+          </a:bodyPr>
+          <a:lstStyle/>
+          <a:p>
+            <a:r>
+              <a:rPr lang="en-US" sz="4400" dirty="0" smtClean="0">
+                <a:solidFill>
+                  <a:schemeClr val="accent1"/>
+                </a:solidFill>
+              </a:rPr>
+              <a:t>Kernel Architecture</a:t>
+            </a:r>
+            <a:endParaRPr lang="en-US" sz="4400" dirty="0">
+              <a:solidFill>
+                <a:schemeClr val="accent1"/>
+              </a:solidFill>
+            </a:endParaRPr>
+          </a:p>
+        </p:txBody>
+      </p:sp>
       <p:pic>
         <p:nvPicPr>
-          <p:cNvPr id="3" name="Picture 2"/>
+          <p:cNvPr id="2" name="Picture 1"/>
           <p:cNvPicPr>
             <a:picLocks noChangeAspect="1"/>
           </p:cNvPicPr>
@@ -11554,52 +11863,14 @@
         </p:blipFill>
         <p:spPr>
           <a:xfrm>
-            <a:off x="1126434" y="1736035"/>
-            <a:ext cx="9554817" cy="4588772"/>
+            <a:off x="2252870" y="1778140"/>
+            <a:ext cx="7089912" cy="4330602"/>
           </a:xfrm>
           <a:prstGeom prst="rect">
             <a:avLst/>
           </a:prstGeom>
         </p:spPr>
       </p:pic>
-      <p:sp>
-        <p:nvSpPr>
-          <p:cNvPr id="4" name="TextBox 3"/>
-          <p:cNvSpPr txBox="1"/>
-          <p:nvPr/>
-        </p:nvSpPr>
-        <p:spPr>
-          <a:xfrm>
-            <a:off x="3081129" y="424070"/>
-            <a:ext cx="5645426" cy="769441"/>
-          </a:xfrm>
-          <a:prstGeom prst="rect">
-            <a:avLst/>
-          </a:prstGeom>
-          <a:noFill/>
-        </p:spPr>
-        <p:txBody>
-          <a:bodyPr wrap="square" rtlCol="0">
-            <a:spAutoFit/>
-          </a:bodyPr>
-          <a:lstStyle/>
-          <a:p>
-            <a:r>
-              <a:rPr lang="en-US" sz="4400" dirty="0" smtClean="0">
-                <a:solidFill>
-                  <a:schemeClr val="accent1"/>
-                </a:solidFill>
-              </a:rPr>
-              <a:t>Kernel Architecture</a:t>
-            </a:r>
-            <a:endParaRPr lang="en-US" sz="4400" dirty="0">
-              <a:solidFill>
-                <a:schemeClr val="accent1"/>
-              </a:solidFill>
-            </a:endParaRPr>
-          </a:p>
-        </p:txBody>
-      </p:sp>
     </p:spTree>
     <p:extLst>
       <p:ext uri="{BB962C8B-B14F-4D97-AF65-F5344CB8AC3E}">
@@ -11918,6 +12189,74 @@
           <a:chExt cx="0" cy="0"/>
         </a:xfrm>
       </p:grpSpPr>
+      <p:pic>
+        <p:nvPicPr>
+          <p:cNvPr id="2" name="Picture 1"/>
+          <p:cNvPicPr>
+            <a:picLocks noChangeAspect="1"/>
+          </p:cNvPicPr>
+          <p:nvPr/>
+        </p:nvPicPr>
+        <p:blipFill>
+          <a:blip r:embed="rId2">
+            <a:extLst>
+              <a:ext uri="{28A0092B-C50C-407E-A947-70E740481C1C}">
+                <a14:useLocalDpi xmlns:a14="http://schemas.microsoft.com/office/drawing/2010/main" val="0"/>
+              </a:ext>
+            </a:extLst>
+          </a:blip>
+          <a:stretch>
+            <a:fillRect/>
+          </a:stretch>
+        </p:blipFill>
+        <p:spPr>
+          <a:xfrm>
+            <a:off x="1749288" y="2133600"/>
+            <a:ext cx="8282608" cy="3886863"/>
+          </a:xfrm>
+          <a:prstGeom prst="rect">
+            <a:avLst/>
+          </a:prstGeom>
+        </p:spPr>
+      </p:pic>
+      <p:sp>
+        <p:nvSpPr>
+          <p:cNvPr id="3" name="TextBox 2"/>
+          <p:cNvSpPr txBox="1"/>
+          <p:nvPr/>
+        </p:nvSpPr>
+        <p:spPr>
+          <a:xfrm>
+            <a:off x="2968487" y="728870"/>
+            <a:ext cx="6930887" cy="769441"/>
+          </a:xfrm>
+          <a:prstGeom prst="rect">
+            <a:avLst/>
+          </a:prstGeom>
+          <a:noFill/>
+        </p:spPr>
+        <p:txBody>
+          <a:bodyPr wrap="square" rtlCol="0">
+            <a:spAutoFit/>
+          </a:bodyPr>
+          <a:lstStyle/>
+          <a:p>
+            <a:r>
+              <a:rPr lang="en-US" sz="4400" dirty="0" smtClean="0">
+                <a:solidFill>
+                  <a:schemeClr val="tx2"/>
+                </a:solidFill>
+              </a:rPr>
+              <a:t>Memory management</a:t>
+            </a:r>
+            <a:endParaRPr lang="en-US" sz="4400" dirty="0">
+              <a:solidFill>
+                <a:schemeClr val="tx2"/>
+              </a:solidFill>
+            </a:endParaRPr>
+          </a:p>
+        </p:txBody>
+      </p:sp>
     </p:spTree>
     <p:extLst>
       <p:ext uri="{BB962C8B-B14F-4D97-AF65-F5344CB8AC3E}">
